--- a/sbml-level-3/version-1/comp/SBaseRef.pptx
+++ b/sbml-level-3/version-1/comp/SBaseRef.pptx
@@ -192,7 +192,7 @@
           <a:p>
             <a:fld id="{7754A941-C6C2-4027-B1F4-A5E937B2245F}" type="datetimeFigureOut">
               <a:rPr lang="en-US" smtClean="0"/>
-              <a:t>4/27/2011</a:t>
+              <a:t>5/10/2011</a:t>
             </a:fld>
             <a:endParaRPr lang="en-US"/>
           </a:p>
@@ -730,7 +730,7 @@
           <a:p>
             <a:fld id="{F0172217-DC24-48CD-AE89-68C8C8D878B4}" type="datetimeFigureOut">
               <a:rPr lang="en-US" smtClean="0"/>
-              <a:t>4/27/2011</a:t>
+              <a:t>5/10/2011</a:t>
             </a:fld>
             <a:endParaRPr lang="en-US"/>
           </a:p>
@@ -900,7 +900,7 @@
           <a:p>
             <a:fld id="{F0172217-DC24-48CD-AE89-68C8C8D878B4}" type="datetimeFigureOut">
               <a:rPr lang="en-US" smtClean="0"/>
-              <a:t>4/27/2011</a:t>
+              <a:t>5/10/2011</a:t>
             </a:fld>
             <a:endParaRPr lang="en-US"/>
           </a:p>
@@ -1080,7 +1080,7 @@
           <a:p>
             <a:fld id="{F0172217-DC24-48CD-AE89-68C8C8D878B4}" type="datetimeFigureOut">
               <a:rPr lang="en-US" smtClean="0"/>
-              <a:t>4/27/2011</a:t>
+              <a:t>5/10/2011</a:t>
             </a:fld>
             <a:endParaRPr lang="en-US"/>
           </a:p>
@@ -1250,7 +1250,7 @@
           <a:p>
             <a:fld id="{F0172217-DC24-48CD-AE89-68C8C8D878B4}" type="datetimeFigureOut">
               <a:rPr lang="en-US" smtClean="0"/>
-              <a:t>4/27/2011</a:t>
+              <a:t>5/10/2011</a:t>
             </a:fld>
             <a:endParaRPr lang="en-US"/>
           </a:p>
@@ -1496,7 +1496,7 @@
           <a:p>
             <a:fld id="{F0172217-DC24-48CD-AE89-68C8C8D878B4}" type="datetimeFigureOut">
               <a:rPr lang="en-US" smtClean="0"/>
-              <a:t>4/27/2011</a:t>
+              <a:t>5/10/2011</a:t>
             </a:fld>
             <a:endParaRPr lang="en-US"/>
           </a:p>
@@ -1784,7 +1784,7 @@
           <a:p>
             <a:fld id="{F0172217-DC24-48CD-AE89-68C8C8D878B4}" type="datetimeFigureOut">
               <a:rPr lang="en-US" smtClean="0"/>
-              <a:t>4/27/2011</a:t>
+              <a:t>5/10/2011</a:t>
             </a:fld>
             <a:endParaRPr lang="en-US"/>
           </a:p>
@@ -2206,7 +2206,7 @@
           <a:p>
             <a:fld id="{F0172217-DC24-48CD-AE89-68C8C8D878B4}" type="datetimeFigureOut">
               <a:rPr lang="en-US" smtClean="0"/>
-              <a:t>4/27/2011</a:t>
+              <a:t>5/10/2011</a:t>
             </a:fld>
             <a:endParaRPr lang="en-US"/>
           </a:p>
@@ -2324,7 +2324,7 @@
           <a:p>
             <a:fld id="{F0172217-DC24-48CD-AE89-68C8C8D878B4}" type="datetimeFigureOut">
               <a:rPr lang="en-US" smtClean="0"/>
-              <a:t>4/27/2011</a:t>
+              <a:t>5/10/2011</a:t>
             </a:fld>
             <a:endParaRPr lang="en-US"/>
           </a:p>
@@ -2419,7 +2419,7 @@
           <a:p>
             <a:fld id="{F0172217-DC24-48CD-AE89-68C8C8D878B4}" type="datetimeFigureOut">
               <a:rPr lang="en-US" smtClean="0"/>
-              <a:t>4/27/2011</a:t>
+              <a:t>5/10/2011</a:t>
             </a:fld>
             <a:endParaRPr lang="en-US"/>
           </a:p>
@@ -2696,7 +2696,7 @@
           <a:p>
             <a:fld id="{F0172217-DC24-48CD-AE89-68C8C8D878B4}" type="datetimeFigureOut">
               <a:rPr lang="en-US" smtClean="0"/>
-              <a:t>4/27/2011</a:t>
+              <a:t>5/10/2011</a:t>
             </a:fld>
             <a:endParaRPr lang="en-US"/>
           </a:p>
@@ -2949,7 +2949,7 @@
           <a:p>
             <a:fld id="{F0172217-DC24-48CD-AE89-68C8C8D878B4}" type="datetimeFigureOut">
               <a:rPr lang="en-US" smtClean="0"/>
-              <a:t>4/27/2011</a:t>
+              <a:t>5/10/2011</a:t>
             </a:fld>
             <a:endParaRPr lang="en-US"/>
           </a:p>
@@ -3162,7 +3162,7 @@
           <a:p>
             <a:fld id="{F0172217-DC24-48CD-AE89-68C8C8D878B4}" type="datetimeFigureOut">
               <a:rPr lang="en-US" smtClean="0"/>
-              <a:t>4/27/2011</a:t>
+              <a:t>5/10/2011</a:t>
             </a:fld>
             <a:endParaRPr lang="en-US"/>
           </a:p>
@@ -3671,7 +3671,7 @@
                       <a:srgbClr val="0070C0"/>
                     </a:solidFill>
                   </a:rPr>
-                  <a:t>PortIdRef</a:t>
+                  <a:t>PortSIdRef</a:t>
                 </a:r>
                 <a:r>
                   <a:rPr lang="en-US" sz="900" dirty="0" smtClean="0">
@@ -3679,7 +3679,15 @@
                       <a:srgbClr val="0070C0"/>
                     </a:solidFill>
                   </a:rPr>
-                  <a:t> {use=“optional”}</a:t>
+                  <a:t> </a:t>
+                </a:r>
+                <a:r>
+                  <a:rPr lang="en-US" sz="900" dirty="0" smtClean="0">
+                    <a:solidFill>
+                      <a:srgbClr val="0070C0"/>
+                    </a:solidFill>
+                  </a:rPr>
+                  <a:t>{use=“optional”}</a:t>
                 </a:r>
               </a:p>
               <a:p>
@@ -3749,11 +3757,6 @@
                   </a:rPr>
                   <a:t> {use=“optional”}</a:t>
                 </a:r>
-                <a:endParaRPr lang="en-US" sz="900" dirty="0" smtClean="0">
-                  <a:solidFill>
-                    <a:srgbClr val="0070C0"/>
-                  </a:solidFill>
-                </a:endParaRPr>
               </a:p>
               <a:p>
                 <a:r>
@@ -3765,7 +3768,7 @@
                   <a:t>metaIdRef</a:t>
                 </a:r>
                 <a:r>
-                  <a:rPr lang="en-US" dirty="0">
+                  <a:rPr lang="en-US">
                     <a:solidFill>
                       <a:srgbClr val="0070C0"/>
                     </a:solidFill>
@@ -3773,12 +3776,12 @@
                   <a:t>: </a:t>
                 </a:r>
                 <a:r>
-                  <a:rPr lang="en-US" dirty="0" err="1">
+                  <a:rPr lang="en-US" smtClean="0">
                     <a:solidFill>
                       <a:srgbClr val="0070C0"/>
                     </a:solidFill>
                   </a:rPr>
-                  <a:t>MetaIdRef</a:t>
+                  <a:t>IDREF {use</a:t>
                 </a:r>
                 <a:r>
                   <a:rPr lang="en-US" dirty="0">
@@ -3786,7 +3789,7 @@
                       <a:srgbClr val="0070C0"/>
                     </a:solidFill>
                   </a:rPr>
-                  <a:t> {use=“optional</a:t>
+                  <a:t>=“optional</a:t>
                 </a:r>
                 <a:r>
                   <a:rPr lang="en-US" dirty="0" smtClean="0">

--- a/sbml-level-3/version-1/comp/SBaseRef.pptx
+++ b/sbml-level-3/version-1/comp/SBaseRef.pptx
@@ -192,7 +192,7 @@
           <a:p>
             <a:fld id="{7754A941-C6C2-4027-B1F4-A5E937B2245F}" type="datetimeFigureOut">
               <a:rPr lang="en-US" smtClean="0"/>
-              <a:t>5/10/2011</a:t>
+              <a:t>5/11/2011</a:t>
             </a:fld>
             <a:endParaRPr lang="en-US"/>
           </a:p>
@@ -730,7 +730,7 @@
           <a:p>
             <a:fld id="{F0172217-DC24-48CD-AE89-68C8C8D878B4}" type="datetimeFigureOut">
               <a:rPr lang="en-US" smtClean="0"/>
-              <a:t>5/10/2011</a:t>
+              <a:t>5/11/2011</a:t>
             </a:fld>
             <a:endParaRPr lang="en-US"/>
           </a:p>
@@ -900,7 +900,7 @@
           <a:p>
             <a:fld id="{F0172217-DC24-48CD-AE89-68C8C8D878B4}" type="datetimeFigureOut">
               <a:rPr lang="en-US" smtClean="0"/>
-              <a:t>5/10/2011</a:t>
+              <a:t>5/11/2011</a:t>
             </a:fld>
             <a:endParaRPr lang="en-US"/>
           </a:p>
@@ -1080,7 +1080,7 @@
           <a:p>
             <a:fld id="{F0172217-DC24-48CD-AE89-68C8C8D878B4}" type="datetimeFigureOut">
               <a:rPr lang="en-US" smtClean="0"/>
-              <a:t>5/10/2011</a:t>
+              <a:t>5/11/2011</a:t>
             </a:fld>
             <a:endParaRPr lang="en-US"/>
           </a:p>
@@ -1250,7 +1250,7 @@
           <a:p>
             <a:fld id="{F0172217-DC24-48CD-AE89-68C8C8D878B4}" type="datetimeFigureOut">
               <a:rPr lang="en-US" smtClean="0"/>
-              <a:t>5/10/2011</a:t>
+              <a:t>5/11/2011</a:t>
             </a:fld>
             <a:endParaRPr lang="en-US"/>
           </a:p>
@@ -1496,7 +1496,7 @@
           <a:p>
             <a:fld id="{F0172217-DC24-48CD-AE89-68C8C8D878B4}" type="datetimeFigureOut">
               <a:rPr lang="en-US" smtClean="0"/>
-              <a:t>5/10/2011</a:t>
+              <a:t>5/11/2011</a:t>
             </a:fld>
             <a:endParaRPr lang="en-US"/>
           </a:p>
@@ -1784,7 +1784,7 @@
           <a:p>
             <a:fld id="{F0172217-DC24-48CD-AE89-68C8C8D878B4}" type="datetimeFigureOut">
               <a:rPr lang="en-US" smtClean="0"/>
-              <a:t>5/10/2011</a:t>
+              <a:t>5/11/2011</a:t>
             </a:fld>
             <a:endParaRPr lang="en-US"/>
           </a:p>
@@ -2206,7 +2206,7 @@
           <a:p>
             <a:fld id="{F0172217-DC24-48CD-AE89-68C8C8D878B4}" type="datetimeFigureOut">
               <a:rPr lang="en-US" smtClean="0"/>
-              <a:t>5/10/2011</a:t>
+              <a:t>5/11/2011</a:t>
             </a:fld>
             <a:endParaRPr lang="en-US"/>
           </a:p>
@@ -2324,7 +2324,7 @@
           <a:p>
             <a:fld id="{F0172217-DC24-48CD-AE89-68C8C8D878B4}" type="datetimeFigureOut">
               <a:rPr lang="en-US" smtClean="0"/>
-              <a:t>5/10/2011</a:t>
+              <a:t>5/11/2011</a:t>
             </a:fld>
             <a:endParaRPr lang="en-US"/>
           </a:p>
@@ -2419,7 +2419,7 @@
           <a:p>
             <a:fld id="{F0172217-DC24-48CD-AE89-68C8C8D878B4}" type="datetimeFigureOut">
               <a:rPr lang="en-US" smtClean="0"/>
-              <a:t>5/10/2011</a:t>
+              <a:t>5/11/2011</a:t>
             </a:fld>
             <a:endParaRPr lang="en-US"/>
           </a:p>
@@ -2696,7 +2696,7 @@
           <a:p>
             <a:fld id="{F0172217-DC24-48CD-AE89-68C8C8D878B4}" type="datetimeFigureOut">
               <a:rPr lang="en-US" smtClean="0"/>
-              <a:t>5/10/2011</a:t>
+              <a:t>5/11/2011</a:t>
             </a:fld>
             <a:endParaRPr lang="en-US"/>
           </a:p>
@@ -2949,7 +2949,7 @@
           <a:p>
             <a:fld id="{F0172217-DC24-48CD-AE89-68C8C8D878B4}" type="datetimeFigureOut">
               <a:rPr lang="en-US" smtClean="0"/>
-              <a:t>5/10/2011</a:t>
+              <a:t>5/11/2011</a:t>
             </a:fld>
             <a:endParaRPr lang="en-US"/>
           </a:p>
@@ -3162,7 +3162,7 @@
           <a:p>
             <a:fld id="{F0172217-DC24-48CD-AE89-68C8C8D878B4}" type="datetimeFigureOut">
               <a:rPr lang="en-US" smtClean="0"/>
-              <a:t>5/10/2011</a:t>
+              <a:t>5/11/2011</a:t>
             </a:fld>
             <a:endParaRPr lang="en-US"/>
           </a:p>
@@ -3679,15 +3679,7 @@
                       <a:srgbClr val="0070C0"/>
                     </a:solidFill>
                   </a:rPr>
-                  <a:t> </a:t>
-                </a:r>
-                <a:r>
-                  <a:rPr lang="en-US" sz="900" dirty="0" smtClean="0">
-                    <a:solidFill>
-                      <a:srgbClr val="0070C0"/>
-                    </a:solidFill>
-                  </a:rPr>
-                  <a:t>{use=“optional”}</a:t>
+                  <a:t> {use=“optional”}</a:t>
                 </a:r>
               </a:p>
               <a:p>
